--- a/qualtcom/Documentacion-Soporte/presentacion procesos/Capacitación de los procesos via.pptx
+++ b/qualtcom/Documentacion-Soporte/presentacion procesos/Capacitación de los procesos via.pptx
@@ -321,7 +321,7 @@
             <a:fld id="{B61BEF0D-F0BB-DE4B-95CE-6DB70DBA9567}" type="datetimeFigureOut">
               <a:rPr lang="en-US" dirty="0"/>
               <a:pPr/>
-              <a:t>5/25/2015</a:t>
+              <a:t>5/27/2015</a:t>
             </a:fld>
             <a:endParaRPr lang="en-US" dirty="0"/>
           </a:p>
@@ -754,7 +754,7 @@
             <a:fld id="{B61BEF0D-F0BB-DE4B-95CE-6DB70DBA9567}" type="datetimeFigureOut">
               <a:rPr lang="en-US" dirty="0"/>
               <a:pPr/>
-              <a:t>5/25/2015</a:t>
+              <a:t>5/27/2015</a:t>
             </a:fld>
             <a:endParaRPr lang="en-US" dirty="0"/>
           </a:p>
@@ -1001,7 +1001,7 @@
             <a:fld id="{B61BEF0D-F0BB-DE4B-95CE-6DB70DBA9567}" type="datetimeFigureOut">
               <a:rPr lang="en-US" dirty="0"/>
               <a:pPr/>
-              <a:t>5/25/2015</a:t>
+              <a:t>5/27/2015</a:t>
             </a:fld>
             <a:endParaRPr lang="en-US" dirty="0"/>
           </a:p>
@@ -1306,7 +1306,7 @@
             <a:fld id="{B61BEF0D-F0BB-DE4B-95CE-6DB70DBA9567}" type="datetimeFigureOut">
               <a:rPr lang="en-US" dirty="0"/>
               <a:pPr/>
-              <a:t>5/25/2015</a:t>
+              <a:t>5/27/2015</a:t>
             </a:fld>
             <a:endParaRPr lang="en-US" dirty="0"/>
           </a:p>
@@ -1621,7 +1621,7 @@
             <a:fld id="{B61BEF0D-F0BB-DE4B-95CE-6DB70DBA9567}" type="datetimeFigureOut">
               <a:rPr lang="en-US" dirty="0"/>
               <a:pPr/>
-              <a:t>5/25/2015</a:t>
+              <a:t>5/27/2015</a:t>
             </a:fld>
             <a:endParaRPr lang="en-US" dirty="0"/>
           </a:p>
@@ -1920,7 +1920,7 @@
             <a:fld id="{B61BEF0D-F0BB-DE4B-95CE-6DB70DBA9567}" type="datetimeFigureOut">
               <a:rPr lang="en-US" dirty="0"/>
               <a:pPr/>
-              <a:t>5/25/2015</a:t>
+              <a:t>5/27/2015</a:t>
             </a:fld>
             <a:endParaRPr lang="en-US" dirty="0"/>
           </a:p>
@@ -2284,7 +2284,7 @@
             <a:fld id="{B61BEF0D-F0BB-DE4B-95CE-6DB70DBA9567}" type="datetimeFigureOut">
               <a:rPr lang="en-US" dirty="0"/>
               <a:pPr/>
-              <a:t>5/25/2015</a:t>
+              <a:t>5/27/2015</a:t>
             </a:fld>
             <a:endParaRPr lang="en-US" dirty="0"/>
           </a:p>
@@ -2455,7 +2455,7 @@
             <a:fld id="{B61BEF0D-F0BB-DE4B-95CE-6DB70DBA9567}" type="datetimeFigureOut">
               <a:rPr lang="en-US" dirty="0"/>
               <a:pPr/>
-              <a:t>5/25/2015</a:t>
+              <a:t>5/27/2015</a:t>
             </a:fld>
             <a:endParaRPr lang="en-US" dirty="0"/>
           </a:p>
@@ -2632,7 +2632,7 @@
             <a:fld id="{B61BEF0D-F0BB-DE4B-95CE-6DB70DBA9567}" type="datetimeFigureOut">
               <a:rPr lang="en-US" dirty="0"/>
               <a:pPr/>
-              <a:t>5/25/2015</a:t>
+              <a:t>5/27/2015</a:t>
             </a:fld>
             <a:endParaRPr lang="en-US" dirty="0"/>
           </a:p>
@@ -2799,7 +2799,7 @@
             <a:fld id="{B61BEF0D-F0BB-DE4B-95CE-6DB70DBA9567}" type="datetimeFigureOut">
               <a:rPr lang="en-US" dirty="0"/>
               <a:pPr/>
-              <a:t>5/25/2015</a:t>
+              <a:t>5/27/2015</a:t>
             </a:fld>
             <a:endParaRPr lang="en-US" dirty="0"/>
           </a:p>
@@ -3046,7 +3046,7 @@
             <a:fld id="{B61BEF0D-F0BB-DE4B-95CE-6DB70DBA9567}" type="datetimeFigureOut">
               <a:rPr lang="en-US" dirty="0"/>
               <a:pPr/>
-              <a:t>5/25/2015</a:t>
+              <a:t>5/27/2015</a:t>
             </a:fld>
             <a:endParaRPr lang="en-US" dirty="0"/>
           </a:p>
@@ -3279,7 +3279,7 @@
             <a:fld id="{B61BEF0D-F0BB-DE4B-95CE-6DB70DBA9567}" type="datetimeFigureOut">
               <a:rPr lang="en-US" dirty="0"/>
               <a:pPr/>
-              <a:t>5/25/2015</a:t>
+              <a:t>5/27/2015</a:t>
             </a:fld>
             <a:endParaRPr lang="en-US" dirty="0"/>
           </a:p>
@@ -3658,7 +3658,7 @@
             <a:fld id="{B61BEF0D-F0BB-DE4B-95CE-6DB70DBA9567}" type="datetimeFigureOut">
               <a:rPr lang="en-US" dirty="0"/>
               <a:pPr/>
-              <a:t>5/25/2015</a:t>
+              <a:t>5/27/2015</a:t>
             </a:fld>
             <a:endParaRPr lang="en-US" dirty="0"/>
           </a:p>
@@ -3773,7 +3773,7 @@
             <a:fld id="{B61BEF0D-F0BB-DE4B-95CE-6DB70DBA9567}" type="datetimeFigureOut">
               <a:rPr lang="en-US" dirty="0"/>
               <a:pPr/>
-              <a:t>5/25/2015</a:t>
+              <a:t>5/27/2015</a:t>
             </a:fld>
             <a:endParaRPr lang="en-US" dirty="0"/>
           </a:p>
@@ -3865,7 +3865,7 @@
             <a:fld id="{B61BEF0D-F0BB-DE4B-95CE-6DB70DBA9567}" type="datetimeFigureOut">
               <a:rPr lang="en-US" dirty="0"/>
               <a:pPr/>
-              <a:t>5/25/2015</a:t>
+              <a:t>5/27/2015</a:t>
             </a:fld>
             <a:endParaRPr lang="en-US" dirty="0"/>
           </a:p>
@@ -4117,7 +4117,7 @@
             <a:fld id="{B61BEF0D-F0BB-DE4B-95CE-6DB70DBA9567}" type="datetimeFigureOut">
               <a:rPr lang="en-US" dirty="0"/>
               <a:pPr/>
-              <a:t>5/25/2015</a:t>
+              <a:t>5/27/2015</a:t>
             </a:fld>
             <a:endParaRPr lang="en-US" dirty="0"/>
           </a:p>
@@ -4397,7 +4397,7 @@
             <a:fld id="{B61BEF0D-F0BB-DE4B-95CE-6DB70DBA9567}" type="datetimeFigureOut">
               <a:rPr lang="en-US" dirty="0"/>
               <a:pPr/>
-              <a:t>5/25/2015</a:t>
+              <a:t>5/27/2015</a:t>
             </a:fld>
             <a:endParaRPr lang="en-US" dirty="0"/>
           </a:p>
@@ -4800,7 +4800,7 @@
             <a:fld id="{B61BEF0D-F0BB-DE4B-95CE-6DB70DBA9567}" type="datetimeFigureOut">
               <a:rPr lang="en-US" dirty="0"/>
               <a:pPr/>
-              <a:t>5/25/2015</a:t>
+              <a:t>5/27/2015</a:t>
             </a:fld>
             <a:endParaRPr lang="en-US" dirty="0"/>
           </a:p>
@@ -5946,21 +5946,7 @@
                           <a:latin typeface="Arial" panose="020B0604020202020204" pitchFamily="34" charset="0"/>
                           <a:cs typeface="Arial" panose="020B0604020202020204" pitchFamily="34" charset="0"/>
                         </a:rPr>
-                        <a:t>Concentrado en el que </a:t>
-                      </a:r>
-                      <a:r>
-                        <a:rPr lang="es-MX" sz="1200" smtClean="0">
-                          <a:latin typeface="Arial" panose="020B0604020202020204" pitchFamily="34" charset="0"/>
-                          <a:cs typeface="Arial" panose="020B0604020202020204" pitchFamily="34" charset="0"/>
-                        </a:rPr>
-                        <a:t>se vacían </a:t>
-                      </a:r>
-                      <a:r>
-                        <a:rPr lang="es-MX" sz="1200" dirty="0" smtClean="0">
-                          <a:latin typeface="Arial" panose="020B0604020202020204" pitchFamily="34" charset="0"/>
-                          <a:cs typeface="Arial" panose="020B0604020202020204" pitchFamily="34" charset="0"/>
-                        </a:rPr>
-                        <a:t>datos de los resultados obtenidos en las diversas pruebas</a:t>
+                        <a:t>Concentrado en el que se vacían datos de los resultados obtenidos en las diversas pruebas</a:t>
                       </a:r>
                       <a:r>
                         <a:rPr lang="es-MX" sz="1200" baseline="0" dirty="0" smtClean="0">
@@ -9728,14 +9714,14 @@
             <p:ph idx="1"/>
             <p:extLst>
               <p:ext uri="{D42A27DB-BD31-4B8C-83A1-F6EECF244321}">
-                <p14:modId xmlns:p14="http://schemas.microsoft.com/office/powerpoint/2010/main" val="4097825907"/>
+                <p14:modId xmlns:p14="http://schemas.microsoft.com/office/powerpoint/2010/main" val="2540932156"/>
               </p:ext>
             </p:extLst>
           </p:nvPr>
         </p:nvGraphicFramePr>
         <p:xfrm>
           <a:off x="381000" y="1677988"/>
-          <a:ext cx="11353800" cy="3205480"/>
+          <a:ext cx="11353800" cy="3845560"/>
         </p:xfrm>
         <a:graphic>
           <a:graphicData uri="http://schemas.openxmlformats.org/drawingml/2006/table">
@@ -10284,6 +10270,95 @@
                           <a:cs typeface="Arial" panose="020B0604020202020204" pitchFamily="34" charset="0"/>
                         </a:rPr>
                         <a:t> en la herramienta y comunicarlo al cliente.</a:t>
+                      </a:r>
+                      <a:endParaRPr lang="es-MX" sz="1200" dirty="0">
+                        <a:latin typeface="Arial" panose="020B0604020202020204" pitchFamily="34" charset="0"/>
+                        <a:cs typeface="Arial" panose="020B0604020202020204" pitchFamily="34" charset="0"/>
+                      </a:endParaRPr>
+                    </a:p>
+                  </a:txBody>
+                  <a:tcPr/>
+                </a:tc>
+              </a:tr>
+              <a:tr h="370840">
+                <a:tc>
+                  <a:txBody>
+                    <a:bodyPr/>
+                    <a:lstStyle/>
+                    <a:p>
+                      <a:r>
+                        <a:rPr lang="es-MX" sz="1200" dirty="0" smtClean="0">
+                          <a:latin typeface="Arial" panose="020B0604020202020204" pitchFamily="34" charset="0"/>
+                          <a:cs typeface="Arial" panose="020B0604020202020204" pitchFamily="34" charset="0"/>
+                        </a:rPr>
+                        <a:t>Realizar encuesta de satisfacción</a:t>
+                      </a:r>
+                      <a:endParaRPr lang="es-MX" sz="1200" dirty="0">
+                        <a:latin typeface="Arial" panose="020B0604020202020204" pitchFamily="34" charset="0"/>
+                        <a:cs typeface="Arial" panose="020B0604020202020204" pitchFamily="34" charset="0"/>
+                      </a:endParaRPr>
+                    </a:p>
+                  </a:txBody>
+                  <a:tcPr/>
+                </a:tc>
+                <a:tc>
+                  <a:txBody>
+                    <a:bodyPr/>
+                    <a:lstStyle/>
+                    <a:p>
+                      <a:r>
+                        <a:rPr lang="es-MX" sz="1200" dirty="0" smtClean="0">
+                          <a:latin typeface="Arial" panose="020B0604020202020204" pitchFamily="34" charset="0"/>
+                          <a:cs typeface="Arial" panose="020B0604020202020204" pitchFamily="34" charset="0"/>
+                        </a:rPr>
+                        <a:t>Soporte TI</a:t>
+                      </a:r>
+                      <a:endParaRPr lang="es-MX" sz="1200" dirty="0">
+                        <a:latin typeface="Arial" panose="020B0604020202020204" pitchFamily="34" charset="0"/>
+                        <a:cs typeface="Arial" panose="020B0604020202020204" pitchFamily="34" charset="0"/>
+                      </a:endParaRPr>
+                    </a:p>
+                  </a:txBody>
+                  <a:tcPr/>
+                </a:tc>
+                <a:tc>
+                  <a:txBody>
+                    <a:bodyPr/>
+                    <a:lstStyle/>
+                    <a:p>
+                      <a:r>
+                        <a:rPr lang="es-MX" sz="1200" dirty="0" smtClean="0">
+                          <a:latin typeface="Arial" panose="020B0604020202020204" pitchFamily="34" charset="0"/>
+                          <a:cs typeface="Arial" panose="020B0604020202020204" pitchFamily="34" charset="0"/>
+                        </a:rPr>
+                        <a:t>Encuesta de Satisfacción</a:t>
+                      </a:r>
+                      <a:endParaRPr lang="es-MX" sz="1200" dirty="0">
+                        <a:latin typeface="Arial" panose="020B0604020202020204" pitchFamily="34" charset="0"/>
+                        <a:cs typeface="Arial" panose="020B0604020202020204" pitchFamily="34" charset="0"/>
+                      </a:endParaRPr>
+                    </a:p>
+                  </a:txBody>
+                  <a:tcPr/>
+                </a:tc>
+                <a:tc>
+                  <a:txBody>
+                    <a:bodyPr/>
+                    <a:lstStyle/>
+                    <a:p>
+                      <a:r>
+                        <a:rPr lang="es-MX" sz="1200" dirty="0" smtClean="0">
+                          <a:latin typeface="Arial" panose="020B0604020202020204" pitchFamily="34" charset="0"/>
+                          <a:cs typeface="Arial" panose="020B0604020202020204" pitchFamily="34" charset="0"/>
+                        </a:rPr>
+                        <a:t>Encuesta</a:t>
+                      </a:r>
+                      <a:r>
+                        <a:rPr lang="es-MX" sz="1200" baseline="0" dirty="0" smtClean="0">
+                          <a:latin typeface="Arial" panose="020B0604020202020204" pitchFamily="34" charset="0"/>
+                          <a:cs typeface="Arial" panose="020B0604020202020204" pitchFamily="34" charset="0"/>
+                        </a:rPr>
+                        <a:t> en la que se describe la conformidad o inconformidad del cliente sobre el servicio otorgado</a:t>
                       </a:r>
                       <a:endParaRPr lang="es-MX" sz="1200" dirty="0">
                         <a:latin typeface="Arial" panose="020B0604020202020204" pitchFamily="34" charset="0"/>
@@ -10330,7 +10405,7 @@
       </p:grpSpPr>
       <p:pic>
         <p:nvPicPr>
-          <p:cNvPr id="6" name="Marcador de contenido 5"/>
+          <p:cNvPr id="3" name="Marcador de contenido 2"/>
           <p:cNvPicPr>
             <a:picLocks noGrp="1" noChangeAspect="1"/>
           </p:cNvPicPr>
@@ -10346,13 +10421,13 @@
               </a:ext>
             </a:extLst>
           </a:blip>
-          <a:srcRect r="25208" b="28983"/>
+          <a:srcRect l="3093" r="17275" b="27190"/>
           <a:stretch/>
         </p:blipFill>
         <p:spPr>
           <a:xfrm>
-            <a:off x="0" y="848336"/>
-            <a:ext cx="12192000" cy="4714626"/>
+            <a:off x="1" y="755345"/>
+            <a:ext cx="12194142" cy="4548175"/>
           </a:xfrm>
         </p:spPr>
       </p:pic>
@@ -10364,7 +10439,7 @@
         </p:nvSpPr>
         <p:spPr>
           <a:xfrm>
-            <a:off x="7237709" y="3611105"/>
+            <a:off x="6399509" y="1157465"/>
             <a:ext cx="4835472" cy="1200329"/>
           </a:xfrm>
           <a:prstGeom prst="rect">
